--- a/presentations/pptx/06-Purr - tidyverse iterations.pptx
+++ b/presentations/pptx/06-Purr - tidyverse iterations.pptx
@@ -220,7 +220,7 @@
           <a:p>
             <a:fld id="{5C93CA8F-50F8-44B5-B48F-4C4452AC4FCB}" type="datetimeFigureOut">
               <a:rPr lang="he-IL" smtClean="0"/>
-              <a:t>ה'/ניסן/תשע"ט</a:t>
+              <a:t>כ"ו/אדר/תש"ף</a:t>
             </a:fld>
             <a:endParaRPr lang="he-IL"/>
           </a:p>
@@ -893,7 +893,7 @@
           <a:p>
             <a:fld id="{808B8BE7-FA93-462E-91E9-54E26C408D98}" type="datetime6">
               <a:rPr lang="en-US" smtClean="0"/>
-              <a:t>April 19</a:t>
+              <a:t>March 20</a:t>
             </a:fld>
             <a:endParaRPr lang="en-US" dirty="0"/>
           </a:p>
@@ -957,28 +957,22 @@
       </p:sp>
       <p:pic>
         <p:nvPicPr>
-          <p:cNvPr id="13" name="Picture 12"/>
+          <p:cNvPr id="14" name="Picture 13"/>
           <p:cNvPicPr>
             <a:picLocks noChangeAspect="1"/>
           </p:cNvPicPr>
           <p:nvPr userDrawn="1"/>
         </p:nvPicPr>
         <p:blipFill>
-          <a:blip r:embed="rId6">
-            <a:extLst>
-              <a:ext uri="{28A0092B-C50C-407E-A947-70E740481C1C}">
-                <a14:useLocalDpi xmlns:a14="http://schemas.microsoft.com/office/drawing/2010/main" val="0"/>
-              </a:ext>
-            </a:extLst>
-          </a:blip>
+          <a:blip r:embed="rId6"/>
           <a:stretch>
             <a:fillRect/>
           </a:stretch>
         </p:blipFill>
         <p:spPr>
           <a:xfrm>
-            <a:off x="170264" y="6310315"/>
-            <a:ext cx="753101" cy="306262"/>
+            <a:off x="172571" y="6649747"/>
+            <a:ext cx="463924" cy="163428"/>
           </a:xfrm>
           <a:prstGeom prst="rect">
             <a:avLst/>
@@ -987,7 +981,13 @@
       </p:pic>
       <p:pic>
         <p:nvPicPr>
-          <p:cNvPr id="14" name="Picture 13"/>
+          <p:cNvPr id="15" name="Picture 14" descr="A picture containing drawing&#10;&#10;Description automatically generated">
+            <a:extLst>
+              <a:ext uri="{FF2B5EF4-FFF2-40B4-BE49-F238E27FC236}">
+                <a16:creationId xmlns:a16="http://schemas.microsoft.com/office/drawing/2014/main" id="{25B6E553-726B-4DE7-B103-B2EF5166F92D}"/>
+              </a:ext>
+            </a:extLst>
+          </p:cNvPr>
           <p:cNvPicPr>
             <a:picLocks noChangeAspect="1"/>
           </p:cNvPicPr>
@@ -1001,8 +1001,8 @@
         </p:blipFill>
         <p:spPr>
           <a:xfrm>
-            <a:off x="172571" y="6649747"/>
-            <a:ext cx="463924" cy="163428"/>
+            <a:off x="105454" y="6277006"/>
+            <a:ext cx="868083" cy="372741"/>
           </a:xfrm>
           <a:prstGeom prst="rect">
             <a:avLst/>
@@ -1126,7 +1126,7 @@
           <a:p>
             <a:fld id="{0D82CCDA-FC2D-4BA5-90E3-739DC6ED4C30}" type="datetime6">
               <a:rPr lang="en-US" smtClean="0"/>
-              <a:t>April 19</a:t>
+              <a:t>March 20</a:t>
             </a:fld>
             <a:endParaRPr lang="en-US" dirty="0"/>
           </a:p>
@@ -1305,7 +1305,7 @@
           <a:p>
             <a:fld id="{8F88DA83-5073-4626-B6B8-E91A24F45A53}" type="datetime6">
               <a:rPr lang="en-US" smtClean="0"/>
-              <a:t>April 19</a:t>
+              <a:t>March 20</a:t>
             </a:fld>
             <a:endParaRPr lang="en-US" dirty="0"/>
           </a:p>
@@ -1474,7 +1474,7 @@
           <a:p>
             <a:fld id="{EEBDCC4F-2BAB-4EBD-BBEA-01B8D436681A}" type="datetime6">
               <a:rPr lang="en-US" smtClean="0"/>
-              <a:t>April 19</a:t>
+              <a:t>March 20</a:t>
             </a:fld>
             <a:endParaRPr lang="en-US" dirty="0"/>
           </a:p>
@@ -1798,7 +1798,7 @@
           <a:p>
             <a:fld id="{79487F88-0456-4CDE-8B89-4A78647F618A}" type="datetime6">
               <a:rPr lang="en-US" smtClean="0"/>
-              <a:t>April 19</a:t>
+              <a:t>March 20</a:t>
             </a:fld>
             <a:endParaRPr lang="en-US" dirty="0"/>
           </a:p>
@@ -1961,28 +1961,22 @@
       </p:sp>
       <p:pic>
         <p:nvPicPr>
-          <p:cNvPr id="11" name="Picture 10"/>
+          <p:cNvPr id="12" name="Picture 11"/>
           <p:cNvPicPr>
             <a:picLocks noChangeAspect="1"/>
           </p:cNvPicPr>
           <p:nvPr userDrawn="1"/>
         </p:nvPicPr>
         <p:blipFill>
-          <a:blip r:embed="rId6">
-            <a:extLst>
-              <a:ext uri="{28A0092B-C50C-407E-A947-70E740481C1C}">
-                <a14:useLocalDpi xmlns:a14="http://schemas.microsoft.com/office/drawing/2010/main" val="0"/>
-              </a:ext>
-            </a:extLst>
-          </a:blip>
+          <a:blip r:embed="rId6"/>
           <a:stretch>
             <a:fillRect/>
           </a:stretch>
         </p:blipFill>
         <p:spPr>
           <a:xfrm>
-            <a:off x="170264" y="6310315"/>
-            <a:ext cx="753101" cy="306262"/>
+            <a:off x="172571" y="6649747"/>
+            <a:ext cx="463924" cy="163428"/>
           </a:xfrm>
           <a:prstGeom prst="rect">
             <a:avLst/>
@@ -1991,22 +1985,39 @@
       </p:pic>
       <p:pic>
         <p:nvPicPr>
-          <p:cNvPr id="12" name="Picture 11"/>
+          <p:cNvPr id="13" name="Picture 12" descr="A picture containing drawing&#10;&#10;Description automatically generated">
+            <a:extLst>
+              <a:ext uri="{FF2B5EF4-FFF2-40B4-BE49-F238E27FC236}">
+                <a16:creationId xmlns:a16="http://schemas.microsoft.com/office/drawing/2014/main" id="{49E37DFF-E386-46C3-ABDA-19FC5415FF24}"/>
+              </a:ext>
+            </a:extLst>
+          </p:cNvPr>
           <p:cNvPicPr>
             <a:picLocks noChangeAspect="1"/>
           </p:cNvPicPr>
           <p:nvPr userDrawn="1"/>
         </p:nvPicPr>
         <p:blipFill>
-          <a:blip r:embed="rId7"/>
+          <a:blip r:embed="rId7">
+            <a:clrChange>
+              <a:clrFrom>
+                <a:srgbClr val="FFFFFF"/>
+              </a:clrFrom>
+              <a:clrTo>
+                <a:srgbClr val="FFFFFF">
+                  <a:alpha val="0"/>
+                </a:srgbClr>
+              </a:clrTo>
+            </a:clrChange>
+          </a:blip>
           <a:stretch>
             <a:fillRect/>
           </a:stretch>
         </p:blipFill>
         <p:spPr>
           <a:xfrm>
-            <a:off x="172571" y="6649747"/>
-            <a:ext cx="463924" cy="163428"/>
+            <a:off x="105454" y="6277006"/>
+            <a:ext cx="868083" cy="372741"/>
           </a:xfrm>
           <a:prstGeom prst="rect">
             <a:avLst/>
@@ -2248,7 +2259,7 @@
           <a:p>
             <a:fld id="{9136D32D-E4FB-4AA6-8422-EE667E33FFC1}" type="datetime6">
               <a:rPr lang="en-US" smtClean="0"/>
-              <a:t>April 19</a:t>
+              <a:t>March 20</a:t>
             </a:fld>
             <a:endParaRPr lang="en-US" dirty="0"/>
           </a:p>
@@ -2681,7 +2692,7 @@
           <a:p>
             <a:fld id="{3AB3EC8A-F822-46B6-826B-CC266009A74B}" type="datetime6">
               <a:rPr lang="en-US" smtClean="0"/>
-              <a:t>April 19</a:t>
+              <a:t>March 20</a:t>
             </a:fld>
             <a:endParaRPr lang="en-US" dirty="0"/>
           </a:p>
@@ -2798,7 +2809,7 @@
           <a:p>
             <a:fld id="{514A54EB-9E75-485B-93FC-08837C33F6A9}" type="datetime6">
               <a:rPr lang="en-US" smtClean="0"/>
-              <a:t>April 19</a:t>
+              <a:t>March 20</a:t>
             </a:fld>
             <a:endParaRPr lang="en-US" dirty="0"/>
           </a:p>
@@ -2892,7 +2903,7 @@
           <a:p>
             <a:fld id="{4187F57E-3EB2-4425-B7C6-E80F41215C16}" type="datetime6">
               <a:rPr lang="en-US" smtClean="0"/>
-              <a:t>April 19</a:t>
+              <a:t>March 20</a:t>
             </a:fld>
             <a:endParaRPr lang="en-US" dirty="0"/>
           </a:p>
@@ -3241,7 +3252,7 @@
           <a:p>
             <a:fld id="{C0AA945B-18EE-4367-BA0C-8D19048BCABE}" type="datetime6">
               <a:rPr lang="en-US" smtClean="0"/>
-              <a:t>April 19</a:t>
+              <a:t>March 20</a:t>
             </a:fld>
             <a:endParaRPr lang="en-US" dirty="0"/>
           </a:p>
@@ -3384,28 +3395,22 @@
       </p:sp>
       <p:pic>
         <p:nvPicPr>
-          <p:cNvPr id="12" name="Picture 11"/>
+          <p:cNvPr id="13" name="Picture 12"/>
           <p:cNvPicPr>
             <a:picLocks noChangeAspect="1"/>
           </p:cNvPicPr>
           <p:nvPr userDrawn="1"/>
         </p:nvPicPr>
         <p:blipFill>
-          <a:blip r:embed="rId6">
-            <a:extLst>
-              <a:ext uri="{28A0092B-C50C-407E-A947-70E740481C1C}">
-                <a14:useLocalDpi xmlns:a14="http://schemas.microsoft.com/office/drawing/2010/main" val="0"/>
-              </a:ext>
-            </a:extLst>
-          </a:blip>
+          <a:blip r:embed="rId6"/>
           <a:stretch>
             <a:fillRect/>
           </a:stretch>
         </p:blipFill>
         <p:spPr>
           <a:xfrm>
-            <a:off x="170264" y="6310315"/>
-            <a:ext cx="753101" cy="306262"/>
+            <a:off x="172571" y="6649747"/>
+            <a:ext cx="463924" cy="163428"/>
           </a:xfrm>
           <a:prstGeom prst="rect">
             <a:avLst/>
@@ -3414,7 +3419,13 @@
       </p:pic>
       <p:pic>
         <p:nvPicPr>
-          <p:cNvPr id="13" name="Picture 12"/>
+          <p:cNvPr id="14" name="Picture 13" descr="A picture containing drawing&#10;&#10;Description automatically generated">
+            <a:extLst>
+              <a:ext uri="{FF2B5EF4-FFF2-40B4-BE49-F238E27FC236}">
+                <a16:creationId xmlns:a16="http://schemas.microsoft.com/office/drawing/2014/main" id="{2A2ACA52-5114-4516-B796-DFEB440D28FC}"/>
+              </a:ext>
+            </a:extLst>
+          </p:cNvPr>
           <p:cNvPicPr>
             <a:picLocks noChangeAspect="1"/>
           </p:cNvPicPr>
@@ -3428,8 +3439,8 @@
         </p:blipFill>
         <p:spPr>
           <a:xfrm>
-            <a:off x="172571" y="6649747"/>
-            <a:ext cx="463924" cy="163428"/>
+            <a:off x="105454" y="6277006"/>
+            <a:ext cx="868083" cy="372741"/>
           </a:xfrm>
           <a:prstGeom prst="rect">
             <a:avLst/>
@@ -3729,7 +3740,7 @@
           <a:p>
             <a:fld id="{F5D71FBB-8CD4-4D0A-B8C4-65C60609C705}" type="datetime6">
               <a:rPr lang="en-US" smtClean="0"/>
-              <a:t>April 19</a:t>
+              <a:t>March 20</a:t>
             </a:fld>
             <a:endParaRPr lang="en-US" dirty="0"/>
           </a:p>
@@ -3849,28 +3860,22 @@
       </p:sp>
       <p:pic>
         <p:nvPicPr>
-          <p:cNvPr id="12" name="Picture 11"/>
+          <p:cNvPr id="13" name="Picture 12"/>
           <p:cNvPicPr>
             <a:picLocks noChangeAspect="1"/>
           </p:cNvPicPr>
           <p:nvPr userDrawn="1"/>
         </p:nvPicPr>
         <p:blipFill>
-          <a:blip r:embed="rId6">
-            <a:extLst>
-              <a:ext uri="{28A0092B-C50C-407E-A947-70E740481C1C}">
-                <a14:useLocalDpi xmlns:a14="http://schemas.microsoft.com/office/drawing/2010/main" val="0"/>
-              </a:ext>
-            </a:extLst>
-          </a:blip>
+          <a:blip r:embed="rId6"/>
           <a:stretch>
             <a:fillRect/>
           </a:stretch>
         </p:blipFill>
         <p:spPr>
           <a:xfrm>
-            <a:off x="170264" y="6310315"/>
-            <a:ext cx="753101" cy="306262"/>
+            <a:off x="172571" y="6649747"/>
+            <a:ext cx="463924" cy="163428"/>
           </a:xfrm>
           <a:prstGeom prst="rect">
             <a:avLst/>
@@ -3879,7 +3884,13 @@
       </p:pic>
       <p:pic>
         <p:nvPicPr>
-          <p:cNvPr id="13" name="Picture 12"/>
+          <p:cNvPr id="14" name="Picture 13" descr="A picture containing drawing&#10;&#10;Description automatically generated">
+            <a:extLst>
+              <a:ext uri="{FF2B5EF4-FFF2-40B4-BE49-F238E27FC236}">
+                <a16:creationId xmlns:a16="http://schemas.microsoft.com/office/drawing/2014/main" id="{F5062189-E998-44FD-A8FC-8759B0308331}"/>
+              </a:ext>
+            </a:extLst>
+          </p:cNvPr>
           <p:cNvPicPr>
             <a:picLocks noChangeAspect="1"/>
           </p:cNvPicPr>
@@ -3893,8 +3904,8 @@
         </p:blipFill>
         <p:spPr>
           <a:xfrm>
-            <a:off x="172571" y="6649747"/>
-            <a:ext cx="463924" cy="163428"/>
+            <a:off x="105454" y="6277006"/>
+            <a:ext cx="868083" cy="372741"/>
           </a:xfrm>
           <a:prstGeom prst="rect">
             <a:avLst/>
@@ -4061,7 +4072,7 @@
           <a:p>
             <a:fld id="{CB7DA022-A739-4269-87CF-EB9B0BE787C4}" type="datetime6">
               <a:rPr lang="en-US" smtClean="0"/>
-              <a:t>April 19</a:t>
+              <a:t>March 20</a:t>
             </a:fld>
             <a:endParaRPr lang="en-US" dirty="0"/>
           </a:p>
@@ -4240,28 +4251,22 @@
       </p:sp>
       <p:pic>
         <p:nvPicPr>
-          <p:cNvPr id="10" name="Picture 9"/>
+          <p:cNvPr id="12" name="Picture 11"/>
           <p:cNvPicPr>
             <a:picLocks noChangeAspect="1"/>
           </p:cNvPicPr>
           <p:nvPr userDrawn="1"/>
         </p:nvPicPr>
         <p:blipFill>
-          <a:blip r:embed="rId15">
-            <a:extLst>
-              <a:ext uri="{28A0092B-C50C-407E-A947-70E740481C1C}">
-                <a14:useLocalDpi xmlns:a14="http://schemas.microsoft.com/office/drawing/2010/main" val="0"/>
-              </a:ext>
-            </a:extLst>
-          </a:blip>
+          <a:blip r:embed="rId15"/>
           <a:stretch>
             <a:fillRect/>
           </a:stretch>
         </p:blipFill>
         <p:spPr>
           <a:xfrm>
-            <a:off x="170264" y="6310315"/>
-            <a:ext cx="753101" cy="306262"/>
+            <a:off x="172571" y="6649747"/>
+            <a:ext cx="463924" cy="163428"/>
           </a:xfrm>
           <a:prstGeom prst="rect">
             <a:avLst/>
@@ -4270,7 +4275,13 @@
       </p:pic>
       <p:pic>
         <p:nvPicPr>
-          <p:cNvPr id="12" name="Picture 11"/>
+          <p:cNvPr id="13" name="Picture 12" descr="A picture containing drawing&#10;&#10;Description automatically generated">
+            <a:extLst>
+              <a:ext uri="{FF2B5EF4-FFF2-40B4-BE49-F238E27FC236}">
+                <a16:creationId xmlns:a16="http://schemas.microsoft.com/office/drawing/2014/main" id="{C1DF7403-3254-489E-AC31-563C9CB4CE90}"/>
+              </a:ext>
+            </a:extLst>
+          </p:cNvPr>
           <p:cNvPicPr>
             <a:picLocks noChangeAspect="1"/>
           </p:cNvPicPr>
@@ -4284,8 +4295,8 @@
         </p:blipFill>
         <p:spPr>
           <a:xfrm>
-            <a:off x="172571" y="6649747"/>
-            <a:ext cx="463924" cy="163428"/>
+            <a:off x="105454" y="6277006"/>
+            <a:ext cx="868083" cy="372741"/>
           </a:xfrm>
           <a:prstGeom prst="rect">
             <a:avLst/>

--- a/presentations/pptx/06-Purr - tidyverse iterations.pptx
+++ b/presentations/pptx/06-Purr - tidyverse iterations.pptx
@@ -7593,7 +7593,7 @@
             </a:r>
             <a:r>
               <a:rPr lang="en-US" sz="1800" dirty="0" err="1"/>
-              <a:t>runit</a:t>
+              <a:t>runif</a:t>
             </a:r>
             <a:r>
               <a:rPr lang="en-US" sz="1800" dirty="0"/>
@@ -8226,7 +8226,7 @@
             </a:r>
             <a:r>
               <a:rPr lang="en-US" b="1" dirty="0"/>
-              <a:t>implementation is in C code</a:t>
+              <a:t>implementation is in C++ code</a:t>
             </a:r>
             <a:r>
               <a:rPr lang="en-US" dirty="0"/>
